--- a/CSE480_Presentation.pptx
+++ b/CSE480_Presentation.pptx
@@ -129,7 +129,7 @@
 <file path=ppt/revisionInfo.xml><?xml version="1.0" encoding="utf-8"?>
 <p1510:revInfo xmlns:a="http://schemas.openxmlformats.org/drawingml/2006/main" xmlns:r="http://schemas.openxmlformats.org/officeDocument/2006/relationships" xmlns:p1510="http://schemas.microsoft.com/office/powerpoint/2015/10/main">
   <p1510:revLst>
-    <p1510:client id="{557F2C82-4DAD-4795-AAE1-489E06254F47}" v="326" dt="2025-12-21T20:21:51.103"/>
+    <p1510:client id="{A2492302-30BD-4133-C6AA-2BA054AF8AE9}" v="20" dt="2025-12-29T22:00:19.425"/>
   </p1510:revLst>
 </p1510:revInfo>
 </file>
@@ -417,7 +417,7 @@
           <a:p>
             <a:fld id="{E80C50CD-E178-4744-9B35-B2F624D6C5E9}" type="datetimeFigureOut">
               <a:rPr lang="en-US" smtClean="0"/>
-              <a:t>12/21/2025</a:t>
+              <a:t>12/29/2025</a:t>
             </a:fld>
             <a:endParaRPr lang="en-US"/>
           </a:p>
@@ -615,7 +615,7 @@
           <a:p>
             <a:fld id="{E80C50CD-E178-4744-9B35-B2F624D6C5E9}" type="datetimeFigureOut">
               <a:rPr lang="en-US" smtClean="0"/>
-              <a:t>12/21/2025</a:t>
+              <a:t>12/29/2025</a:t>
             </a:fld>
             <a:endParaRPr lang="en-US"/>
           </a:p>
@@ -823,7 +823,7 @@
           <a:p>
             <a:fld id="{E80C50CD-E178-4744-9B35-B2F624D6C5E9}" type="datetimeFigureOut">
               <a:rPr lang="en-US" smtClean="0"/>
-              <a:t>12/21/2025</a:t>
+              <a:t>12/29/2025</a:t>
             </a:fld>
             <a:endParaRPr lang="en-US"/>
           </a:p>
@@ -1073,7 +1073,7 @@
           <a:p>
             <a:fld id="{E80C50CD-E178-4744-9B35-B2F624D6C5E9}" type="datetimeFigureOut">
               <a:rPr lang="en-US" smtClean="0"/>
-              <a:t>12/21/2025</a:t>
+              <a:t>12/29/2025</a:t>
             </a:fld>
             <a:endParaRPr lang="en-US"/>
           </a:p>
@@ -1352,7 +1352,7 @@
           <a:p>
             <a:fld id="{E80C50CD-E178-4744-9B35-B2F624D6C5E9}" type="datetimeFigureOut">
               <a:rPr lang="en-US" smtClean="0"/>
-              <a:t>12/21/2025</a:t>
+              <a:t>12/29/2025</a:t>
             </a:fld>
             <a:endParaRPr lang="en-US"/>
           </a:p>
@@ -1669,7 +1669,7 @@
           <a:p>
             <a:fld id="{E80C50CD-E178-4744-9B35-B2F624D6C5E9}" type="datetimeFigureOut">
               <a:rPr lang="en-US" smtClean="0"/>
-              <a:t>12/21/2025</a:t>
+              <a:t>12/29/2025</a:t>
             </a:fld>
             <a:endParaRPr lang="en-US"/>
           </a:p>
@@ -2085,7 +2085,7 @@
           <a:p>
             <a:fld id="{E80C50CD-E178-4744-9B35-B2F624D6C5E9}" type="datetimeFigureOut">
               <a:rPr lang="en-US" smtClean="0"/>
-              <a:t>12/21/2025</a:t>
+              <a:t>12/29/2025</a:t>
             </a:fld>
             <a:endParaRPr lang="en-US"/>
           </a:p>
@@ -2226,7 +2226,7 @@
           <a:p>
             <a:fld id="{E80C50CD-E178-4744-9B35-B2F624D6C5E9}" type="datetimeFigureOut">
               <a:rPr lang="en-US" smtClean="0"/>
-              <a:t>12/21/2025</a:t>
+              <a:t>12/29/2025</a:t>
             </a:fld>
             <a:endParaRPr lang="en-US"/>
           </a:p>
@@ -2339,7 +2339,7 @@
           <a:p>
             <a:fld id="{E80C50CD-E178-4744-9B35-B2F624D6C5E9}" type="datetimeFigureOut">
               <a:rPr lang="en-US" smtClean="0"/>
-              <a:t>12/21/2025</a:t>
+              <a:t>12/29/2025</a:t>
             </a:fld>
             <a:endParaRPr lang="en-US"/>
           </a:p>
@@ -2656,7 +2656,7 @@
           <a:p>
             <a:fld id="{E80C50CD-E178-4744-9B35-B2F624D6C5E9}" type="datetimeFigureOut">
               <a:rPr lang="en-US" smtClean="0"/>
-              <a:t>12/21/2025</a:t>
+              <a:t>12/29/2025</a:t>
             </a:fld>
             <a:endParaRPr lang="en-US"/>
           </a:p>
@@ -2948,7 +2948,7 @@
           <a:p>
             <a:fld id="{E80C50CD-E178-4744-9B35-B2F624D6C5E9}" type="datetimeFigureOut">
               <a:rPr lang="en-US" smtClean="0"/>
-              <a:t>12/21/2025</a:t>
+              <a:t>12/29/2025</a:t>
             </a:fld>
             <a:endParaRPr lang="en-US"/>
           </a:p>
@@ -3188,7 +3188,7 @@
             <a:fld id="{E80C50CD-E178-4744-9B35-B2F624D6C5E9}" type="datetimeFigureOut">
               <a:rPr lang="en-US" smtClean="0"/>
               <a:pPr/>
-              <a:t>12/21/2025</a:t>
+              <a:t>12/29/2025</a:t>
             </a:fld>
             <a:endParaRPr lang="en-US"/>
           </a:p>
@@ -4179,7 +4179,7 @@
       </p:grpSpPr>
       <p:sp useBgFill="1">
         <p:nvSpPr>
-          <p:cNvPr id="10" name="Rectangle 9">
+          <p:cNvPr id="19" name="Rectangle 18">
             <a:extLst>
               <a:ext uri="{FF2B5EF4-FFF2-40B4-BE49-F238E27FC236}">
                 <a16:creationId xmlns:a16="http://schemas.microsoft.com/office/drawing/2014/main" id="{A082E5AA-6E5F-4FCC-8C41-11E32F833BFC}"/>
@@ -4305,7 +4305,7 @@
       </p:sp>
       <p:sp>
         <p:nvSpPr>
-          <p:cNvPr id="12" name="Rectangle 11">
+          <p:cNvPr id="21" name="Rectangle 20">
             <a:extLst>
               <a:ext uri="{FF2B5EF4-FFF2-40B4-BE49-F238E27FC236}">
                 <a16:creationId xmlns:a16="http://schemas.microsoft.com/office/drawing/2014/main" id="{92BE0106-0C20-465B-A1BE-0BAC2737B1AD}"/>
@@ -4368,7 +4368,7 @@
       </p:sp>
       <p:sp>
         <p:nvSpPr>
-          <p:cNvPr id="14" name="Rectangle 13">
+          <p:cNvPr id="23" name="Rectangle 22">
             <a:extLst>
               <a:ext uri="{FF2B5EF4-FFF2-40B4-BE49-F238E27FC236}">
                 <a16:creationId xmlns:a16="http://schemas.microsoft.com/office/drawing/2014/main" id="{4A3D569D-D3A6-49CA-A483-291E95DACA14}"/>
@@ -5049,10 +5049,10 @@
       </p:sp>
       <p:pic>
         <p:nvPicPr>
-          <p:cNvPr id="4" name="Resim 3" descr="metin, yazı tipi, ekran görüntüsü, çizgi içeren bir resim&#10;&#10;Yapay zeka tarafından oluşturulmuş içerik yanlış olabilir.">
+          <p:cNvPr id="6" name="Resim 5" descr="metin, yazı tipi, ekran görüntüsü, çizgi içeren bir resim&#10;&#10;Yapay zeka tarafından oluşturulmuş içerik yanlış olabilir.">
             <a:extLst>
               <a:ext uri="{FF2B5EF4-FFF2-40B4-BE49-F238E27FC236}">
-                <a16:creationId xmlns:a16="http://schemas.microsoft.com/office/drawing/2014/main" id="{C334C14E-D7D5-7055-DFAC-18DDF395225B}"/>
+                <a16:creationId xmlns:a16="http://schemas.microsoft.com/office/drawing/2014/main" id="{5CD200E8-7037-D656-3757-D15272D5C93A}"/>
               </a:ext>
             </a:extLst>
           </p:cNvPr>
@@ -5069,8 +5069,8 @@
         </p:blipFill>
         <p:spPr>
           <a:xfrm>
-            <a:off x="531913" y="5241744"/>
-            <a:ext cx="5038931" cy="617268"/>
+            <a:off x="508996" y="4629135"/>
+            <a:ext cx="5038931" cy="1373109"/>
           </a:xfrm>
           <a:prstGeom prst="rect">
             <a:avLst/>
@@ -5079,10 +5079,10 @@
       </p:pic>
       <p:pic>
         <p:nvPicPr>
-          <p:cNvPr id="5" name="Resim 4" descr="metin, yazı tipi, ekran görüntüsü, sayı, numara içeren bir resim&#10;&#10;Yapay zeka tarafından oluşturulmuş içerik yanlış olabilir.">
+          <p:cNvPr id="7" name="Resim 6" descr="metin, ekran görüntüsü, yazı tipi, sayı, numara içeren bir resim&#10;&#10;Yapay zeka tarafından oluşturulmuş içerik yanlış olabilir.">
             <a:extLst>
               <a:ext uri="{FF2B5EF4-FFF2-40B4-BE49-F238E27FC236}">
-                <a16:creationId xmlns:a16="http://schemas.microsoft.com/office/drawing/2014/main" id="{74BAFCA7-8756-BC49-C2E9-EE4C03BD9188}"/>
+                <a16:creationId xmlns:a16="http://schemas.microsoft.com/office/drawing/2014/main" id="{B71660C6-82D5-E7EA-F997-88117CF74ED1}"/>
               </a:ext>
             </a:extLst>
           </p:cNvPr>
@@ -5099,8 +5099,8 @@
         </p:blipFill>
         <p:spPr>
           <a:xfrm>
-            <a:off x="6653294" y="5242760"/>
-            <a:ext cx="5014740" cy="1103243"/>
+            <a:off x="6653294" y="4289960"/>
+            <a:ext cx="5014740" cy="2056043"/>
           </a:xfrm>
           <a:prstGeom prst="rect">
             <a:avLst/>
@@ -6290,7 +6290,7 @@
       </p:grpSpPr>
       <p:sp>
         <p:nvSpPr>
-          <p:cNvPr id="35" name="Freeform: Shape 34">
+          <p:cNvPr id="45" name="Freeform: Shape 47">
             <a:extLst>
               <a:ext uri="{FF2B5EF4-FFF2-40B4-BE49-F238E27FC236}">
                 <a16:creationId xmlns:a16="http://schemas.microsoft.com/office/drawing/2014/main" id="{774A975B-A886-5202-0489-6965514A0D14}"/>
@@ -6398,7 +6398,7 @@
       </p:sp>
       <p:sp>
         <p:nvSpPr>
-          <p:cNvPr id="37" name="Freeform: Shape 36">
+          <p:cNvPr id="46" name="Freeform: Shape 49">
             <a:extLst>
               <a:ext uri="{FF2B5EF4-FFF2-40B4-BE49-F238E27FC236}">
                 <a16:creationId xmlns:a16="http://schemas.microsoft.com/office/drawing/2014/main" id="{EA67E988-5919-57BB-C7DE-D3EAD38A3045}"/>
@@ -6496,7 +6496,7 @@
       </p:sp>
       <p:sp useBgFill="1">
         <p:nvSpPr>
-          <p:cNvPr id="39" name="Rectangle 38">
+          <p:cNvPr id="47" name="Rectangle 51">
             <a:extLst>
               <a:ext uri="{FF2B5EF4-FFF2-40B4-BE49-F238E27FC236}">
                 <a16:creationId xmlns:a16="http://schemas.microsoft.com/office/drawing/2014/main" id="{CD7F9EC8-0E2C-4023-9DD1-73BEF6B80D13}"/>
@@ -6612,7 +6612,7 @@
       </p:sp>
       <p:sp>
         <p:nvSpPr>
-          <p:cNvPr id="41" name="Freeform: Shape 40">
+          <p:cNvPr id="49" name="Freeform: Shape 53">
             <a:extLst>
               <a:ext uri="{FF2B5EF4-FFF2-40B4-BE49-F238E27FC236}">
                 <a16:creationId xmlns:a16="http://schemas.microsoft.com/office/drawing/2014/main" id="{DD646702-1788-B97D-918B-46834CD1E6B9}"/>
@@ -6720,10 +6720,10 @@
       </p:sp>
       <p:pic>
         <p:nvPicPr>
-          <p:cNvPr id="5" name="Resim 4" descr="metin, ekran görüntüsü, sayı, numara, yazı tipi içeren bir resim&#10;&#10;Yapay zeka tarafından oluşturulmuş içerik yanlış olabilir.">
+          <p:cNvPr id="3" name="Resim 2" descr="metin, ekran görüntüsü, yazı tipi, sayı, numara içeren bir resim&#10;&#10;Yapay zeka tarafından oluşturulmuş içerik yanlış olabilir.">
             <a:extLst>
               <a:ext uri="{FF2B5EF4-FFF2-40B4-BE49-F238E27FC236}">
-                <a16:creationId xmlns:a16="http://schemas.microsoft.com/office/drawing/2014/main" id="{0F226AFA-8BBE-25E6-68EA-5976CAFADF4C}"/>
+                <a16:creationId xmlns:a16="http://schemas.microsoft.com/office/drawing/2014/main" id="{876B883F-1B22-4352-C417-CCF365F90A59}"/>
               </a:ext>
             </a:extLst>
           </p:cNvPr>
@@ -6740,8 +6740,8 @@
         </p:blipFill>
         <p:spPr>
           <a:xfrm>
-            <a:off x="517869" y="2524903"/>
-            <a:ext cx="5515396" cy="3598795"/>
+            <a:off x="517869" y="2738625"/>
+            <a:ext cx="5515396" cy="3171351"/>
           </a:xfrm>
           <a:prstGeom prst="rect">
             <a:avLst/>
@@ -6750,10 +6750,10 @@
       </p:pic>
       <p:pic>
         <p:nvPicPr>
-          <p:cNvPr id="4" name="İçerik Yer Tutucusu 3" descr="metin, ekran görüntüsü, sayı, numara, yazı tipi içeren bir resim&#10;&#10;Yapay zeka tarafından oluşturulmuş içerik yanlış olabilir.">
+          <p:cNvPr id="6" name="Resim 5" descr="metin, ekran görüntüsü, yazı tipi, sayı, numara içeren bir resim&#10;&#10;Yapay zeka tarafından oluşturulmuş içerik yanlış olabilir.">
             <a:extLst>
               <a:ext uri="{FF2B5EF4-FFF2-40B4-BE49-F238E27FC236}">
-                <a16:creationId xmlns:a16="http://schemas.microsoft.com/office/drawing/2014/main" id="{9BCAA4CB-80DA-C887-3857-AC0DEEF78372}"/>
+                <a16:creationId xmlns:a16="http://schemas.microsoft.com/office/drawing/2014/main" id="{156B99DF-F0BB-A3A0-01B4-11A6AD11CA87}"/>
               </a:ext>
             </a:extLst>
           </p:cNvPr>
@@ -6770,8 +6770,8 @@
         </p:blipFill>
         <p:spPr>
           <a:xfrm>
-            <a:off x="6176831" y="2566362"/>
-            <a:ext cx="5515396" cy="3516063"/>
+            <a:off x="6176831" y="2752507"/>
+            <a:ext cx="5515396" cy="3143774"/>
           </a:xfrm>
           <a:prstGeom prst="rect">
             <a:avLst/>
@@ -6780,7 +6780,7 @@
       </p:pic>
       <p:sp>
         <p:nvSpPr>
-          <p:cNvPr id="43" name="Freeform: Shape 42">
+          <p:cNvPr id="51" name="Freeform: Shape 55">
             <a:extLst>
               <a:ext uri="{FF2B5EF4-FFF2-40B4-BE49-F238E27FC236}">
                 <a16:creationId xmlns:a16="http://schemas.microsoft.com/office/drawing/2014/main" id="{F6B4FCA5-23FA-C759-8E23-68410B3505AA}"/>
@@ -7084,7 +7084,7 @@
       </p:grpSpPr>
       <p:sp>
         <p:nvSpPr>
-          <p:cNvPr id="10" name="Freeform: Shape 9">
+          <p:cNvPr id="23" name="Freeform: Shape 22">
             <a:extLst>
               <a:ext uri="{FF2B5EF4-FFF2-40B4-BE49-F238E27FC236}">
                 <a16:creationId xmlns:a16="http://schemas.microsoft.com/office/drawing/2014/main" id="{774A975B-A886-5202-0489-6965514A0D14}"/>
@@ -7192,7 +7192,7 @@
       </p:sp>
       <p:sp>
         <p:nvSpPr>
-          <p:cNvPr id="12" name="Freeform: Shape 11">
+          <p:cNvPr id="25" name="Freeform: Shape 24">
             <a:extLst>
               <a:ext uri="{FF2B5EF4-FFF2-40B4-BE49-F238E27FC236}">
                 <a16:creationId xmlns:a16="http://schemas.microsoft.com/office/drawing/2014/main" id="{EA67E988-5919-57BB-C7DE-D3EAD38A3045}"/>
@@ -7290,10 +7290,10 @@
       </p:sp>
       <p:sp useBgFill="1">
         <p:nvSpPr>
-          <p:cNvPr id="14" name="Rectangle 13">
+          <p:cNvPr id="27" name="Rectangle 26">
             <a:extLst>
               <a:ext uri="{FF2B5EF4-FFF2-40B4-BE49-F238E27FC236}">
-                <a16:creationId xmlns:a16="http://schemas.microsoft.com/office/drawing/2014/main" id="{CD7F9EC8-0E2C-4023-9DD1-73BEF6B80D13}"/>
+                <a16:creationId xmlns:a16="http://schemas.microsoft.com/office/drawing/2014/main" id="{FAF3766F-DEF3-4802-BB0D-7A18EDD9704F}"/>
               </a:ext>
               <a:ext uri="{C183D7F6-B498-43B3-948B-1728B52AA6E4}">
                 <adec:decorative xmlns:adec="http://schemas.microsoft.com/office/drawing/2017/decorative" val="1"/>
@@ -7366,36 +7366,29 @@
         </p:nvSpPr>
         <p:spPr>
           <a:xfrm>
-            <a:off x="521208" y="978408"/>
-            <a:ext cx="7565779" cy="1386996"/>
+            <a:off x="521209" y="978409"/>
+            <a:ext cx="11149874" cy="1298386"/>
           </a:xfrm>
         </p:spPr>
         <p:txBody>
           <a:bodyPr vert="horz" lIns="91440" tIns="45720" rIns="91440" bIns="45720" rtlCol="0" anchor="t">
-            <a:normAutofit fontScale="90000"/>
+            <a:normAutofit/>
           </a:bodyPr>
           <a:lstStyle/>
           <a:p>
             <a:r>
-              <a:rPr lang="en-US" sz="4600" dirty="0">
-                <a:latin typeface="Times New Roman"/>
-                <a:cs typeface="Times New Roman"/>
-              </a:rPr>
+              <a:rPr lang="en-US" sz="5400"/>
               <a:t>Results: OR-Library Benchmarks</a:t>
             </a:r>
-            <a:endParaRPr lang="tr-TR" dirty="0">
-              <a:latin typeface="Times New Roman"/>
-              <a:cs typeface="Times New Roman"/>
-            </a:endParaRPr>
           </a:p>
         </p:txBody>
       </p:sp>
       <p:sp>
         <p:nvSpPr>
-          <p:cNvPr id="16" name="Freeform: Shape 15">
+          <p:cNvPr id="29" name="Freeform: Shape 28">
             <a:extLst>
               <a:ext uri="{FF2B5EF4-FFF2-40B4-BE49-F238E27FC236}">
-                <a16:creationId xmlns:a16="http://schemas.microsoft.com/office/drawing/2014/main" id="{DD646702-1788-B97D-918B-46834CD1E6B9}"/>
+                <a16:creationId xmlns:a16="http://schemas.microsoft.com/office/drawing/2014/main" id="{DCC11005-BC53-5976-9587-FB0B62EF64BB}"/>
               </a:ext>
               <a:ext uri="{C183D7F6-B498-43B3-948B-1728B52AA6E4}">
                 <adec:decorative xmlns:adec="http://schemas.microsoft.com/office/drawing/2017/decorative" val="1"/>
@@ -7500,10 +7493,41 @@
       </p:sp>
       <p:pic>
         <p:nvPicPr>
-          <p:cNvPr id="4" name="İçerik Yer Tutucusu 3" descr="metin, ekran görüntüsü, sayı, numara, yazı tipi içeren bir resim&#10;&#10;Yapay zeka tarafından oluşturulmuş içerik yanlış olabilir.">
+          <p:cNvPr id="8" name="Resim 7" descr="metin, ekran görüntüsü, yazı tipi, siyah beyaz içeren bir resim&#10;&#10;Yapay zeka tarafından oluşturulmuş içerik yanlış olabilir.">
             <a:extLst>
               <a:ext uri="{FF2B5EF4-FFF2-40B4-BE49-F238E27FC236}">
-                <a16:creationId xmlns:a16="http://schemas.microsoft.com/office/drawing/2014/main" id="{59EA2520-2FAE-E2F9-850A-78F8EDF7F16E}"/>
+                <a16:creationId xmlns:a16="http://schemas.microsoft.com/office/drawing/2014/main" id="{2EAA801D-8F55-181B-089D-22CD54F815A2}"/>
+              </a:ext>
+            </a:extLst>
+          </p:cNvPr>
+          <p:cNvPicPr>
+            <a:picLocks noChangeAspect="1"/>
+          </p:cNvPicPr>
+          <p:nvPr/>
+        </p:nvPicPr>
+        <p:blipFill>
+          <a:blip r:embed="rId2"/>
+          <a:srcRect t="1065" r="3" b="3"/>
+          <a:stretch>
+            <a:fillRect/>
+          </a:stretch>
+        </p:blipFill>
+        <p:spPr>
+          <a:xfrm>
+            <a:off x="517869" y="2414725"/>
+            <a:ext cx="5450641" cy="3154680"/>
+          </a:xfrm>
+          <a:prstGeom prst="rect">
+            <a:avLst/>
+          </a:prstGeom>
+        </p:spPr>
+      </p:pic>
+      <p:pic>
+        <p:nvPicPr>
+          <p:cNvPr id="7" name="İçerik Yer Tutucusu 6" descr="metin, ekran görüntüsü, siyah beyaz, yazı tipi içeren bir resim&#10;&#10;Yapay zeka tarafından oluşturulmuş içerik yanlış olabilir.">
+            <a:extLst>
+              <a:ext uri="{FF2B5EF4-FFF2-40B4-BE49-F238E27FC236}">
+                <a16:creationId xmlns:a16="http://schemas.microsoft.com/office/drawing/2014/main" id="{2099930E-CBDA-F9C3-5459-7216AC152E1A}"/>
               </a:ext>
             </a:extLst>
           </p:cNvPr>
@@ -7515,317 +7539,22 @@
           </p:nvPr>
         </p:nvPicPr>
         <p:blipFill>
-          <a:blip r:embed="rId2"/>
+          <a:blip r:embed="rId3"/>
+          <a:srcRect t="640" r="3" b="3"/>
           <a:stretch>
             <a:fillRect/>
           </a:stretch>
         </p:blipFill>
         <p:spPr>
           <a:xfrm>
-            <a:off x="517869" y="2559374"/>
-            <a:ext cx="5515396" cy="3529853"/>
+            <a:off x="6220441" y="2414725"/>
+            <a:ext cx="5450641" cy="3154680"/>
           </a:xfrm>
           <a:prstGeom prst="rect">
             <a:avLst/>
           </a:prstGeom>
         </p:spPr>
       </p:pic>
-      <p:pic>
-        <p:nvPicPr>
-          <p:cNvPr id="5" name="Resim 4" descr="metin, ekran görüntüsü, sayı, numara, yazı tipi içeren bir resim&#10;&#10;Yapay zeka tarafından oluşturulmuş içerik yanlış olabilir.">
-            <a:extLst>
-              <a:ext uri="{FF2B5EF4-FFF2-40B4-BE49-F238E27FC236}">
-                <a16:creationId xmlns:a16="http://schemas.microsoft.com/office/drawing/2014/main" id="{AEFE6C5F-682C-AFA1-1FE3-CD8605193372}"/>
-              </a:ext>
-            </a:extLst>
-          </p:cNvPr>
-          <p:cNvPicPr>
-            <a:picLocks noChangeAspect="1"/>
-          </p:cNvPicPr>
-          <p:nvPr/>
-        </p:nvPicPr>
-        <p:blipFill>
-          <a:blip r:embed="rId3"/>
-          <a:stretch>
-            <a:fillRect/>
-          </a:stretch>
-        </p:blipFill>
-        <p:spPr>
-          <a:xfrm>
-            <a:off x="6176831" y="2580150"/>
-            <a:ext cx="5515396" cy="3488487"/>
-          </a:xfrm>
-          <a:prstGeom prst="rect">
-            <a:avLst/>
-          </a:prstGeom>
-        </p:spPr>
-      </p:pic>
-      <p:sp>
-        <p:nvSpPr>
-          <p:cNvPr id="18" name="Freeform: Shape 17">
-            <a:extLst>
-              <a:ext uri="{FF2B5EF4-FFF2-40B4-BE49-F238E27FC236}">
-                <a16:creationId xmlns:a16="http://schemas.microsoft.com/office/drawing/2014/main" id="{F6B4FCA5-23FA-C759-8E23-68410B3505AA}"/>
-              </a:ext>
-              <a:ext uri="{C183D7F6-B498-43B3-948B-1728B52AA6E4}">
-                <adec:decorative xmlns:adec="http://schemas.microsoft.com/office/drawing/2017/decorative" val="1"/>
-              </a:ext>
-            </a:extLst>
-          </p:cNvPr>
-          <p:cNvSpPr>
-            <a:spLocks noGrp="1" noRot="1" noChangeAspect="1" noMove="1" noResize="1" noEditPoints="1" noAdjustHandles="1" noChangeArrowheads="1" noChangeShapeType="1" noTextEdit="1"/>
-          </p:cNvSpPr>
-          <p:nvPr>
-            <p:extLst>
-              <p:ext uri="{386F3935-93C4-4BCD-93E2-E3B085C9AB24}">
-                <p16:designElem xmlns:p16="http://schemas.microsoft.com/office/powerpoint/2015/main" val="1"/>
-              </p:ext>
-            </p:extLst>
-          </p:nvPr>
-        </p:nvSpPr>
-        <p:spPr>
-          <a:xfrm>
-            <a:off x="517868" y="6300216"/>
-            <a:ext cx="11165482" cy="45719"/>
-          </a:xfrm>
-          <a:custGeom>
-            <a:avLst/>
-            <a:gdLst>
-              <a:gd name="connsiteX0" fmla="*/ 0 w 11165482"/>
-              <a:gd name="connsiteY0" fmla="*/ 0 h 45719"/>
-              <a:gd name="connsiteX1" fmla="*/ 3694525 w 11165482"/>
-              <a:gd name="connsiteY1" fmla="*/ 0 h 45719"/>
-              <a:gd name="connsiteX2" fmla="*/ 5021183 w 11165482"/>
-              <a:gd name="connsiteY2" fmla="*/ 0 h 45719"/>
-              <a:gd name="connsiteX3" fmla="*/ 6144299 w 11165482"/>
-              <a:gd name="connsiteY3" fmla="*/ 0 h 45719"/>
-              <a:gd name="connsiteX4" fmla="*/ 8715708 w 11165482"/>
-              <a:gd name="connsiteY4" fmla="*/ 0 h 45719"/>
-              <a:gd name="connsiteX5" fmla="*/ 11165482 w 11165482"/>
-              <a:gd name="connsiteY5" fmla="*/ 0 h 45719"/>
-              <a:gd name="connsiteX6" fmla="*/ 11165482 w 11165482"/>
-              <a:gd name="connsiteY6" fmla="*/ 45719 h 45719"/>
-              <a:gd name="connsiteX7" fmla="*/ 8715708 w 11165482"/>
-              <a:gd name="connsiteY7" fmla="*/ 45719 h 45719"/>
-              <a:gd name="connsiteX8" fmla="*/ 6144299 w 11165482"/>
-              <a:gd name="connsiteY8" fmla="*/ 45719 h 45719"/>
-              <a:gd name="connsiteX9" fmla="*/ 5021183 w 11165482"/>
-              <a:gd name="connsiteY9" fmla="*/ 45719 h 45719"/>
-              <a:gd name="connsiteX10" fmla="*/ 3694525 w 11165482"/>
-              <a:gd name="connsiteY10" fmla="*/ 45719 h 45719"/>
-              <a:gd name="connsiteX11" fmla="*/ 0 w 11165482"/>
-              <a:gd name="connsiteY11" fmla="*/ 45719 h 45719"/>
-              <a:gd name="connsiteX0" fmla="*/ 0 w 11165482"/>
-              <a:gd name="connsiteY0" fmla="*/ 0 h 45719"/>
-              <a:gd name="connsiteX1" fmla="*/ 3694525 w 11165482"/>
-              <a:gd name="connsiteY1" fmla="*/ 0 h 45719"/>
-              <a:gd name="connsiteX2" fmla="*/ 6144299 w 11165482"/>
-              <a:gd name="connsiteY2" fmla="*/ 0 h 45719"/>
-              <a:gd name="connsiteX3" fmla="*/ 8715708 w 11165482"/>
-              <a:gd name="connsiteY3" fmla="*/ 0 h 45719"/>
-              <a:gd name="connsiteX4" fmla="*/ 11165482 w 11165482"/>
-              <a:gd name="connsiteY4" fmla="*/ 0 h 45719"/>
-              <a:gd name="connsiteX5" fmla="*/ 11165482 w 11165482"/>
-              <a:gd name="connsiteY5" fmla="*/ 45719 h 45719"/>
-              <a:gd name="connsiteX6" fmla="*/ 8715708 w 11165482"/>
-              <a:gd name="connsiteY6" fmla="*/ 45719 h 45719"/>
-              <a:gd name="connsiteX7" fmla="*/ 6144299 w 11165482"/>
-              <a:gd name="connsiteY7" fmla="*/ 45719 h 45719"/>
-              <a:gd name="connsiteX8" fmla="*/ 5021183 w 11165482"/>
-              <a:gd name="connsiteY8" fmla="*/ 45719 h 45719"/>
-              <a:gd name="connsiteX9" fmla="*/ 3694525 w 11165482"/>
-              <a:gd name="connsiteY9" fmla="*/ 45719 h 45719"/>
-              <a:gd name="connsiteX10" fmla="*/ 0 w 11165482"/>
-              <a:gd name="connsiteY10" fmla="*/ 45719 h 45719"/>
-              <a:gd name="connsiteX11" fmla="*/ 0 w 11165482"/>
-              <a:gd name="connsiteY11" fmla="*/ 0 h 45719"/>
-              <a:gd name="connsiteX0" fmla="*/ 0 w 11165482"/>
-              <a:gd name="connsiteY0" fmla="*/ 0 h 45719"/>
-              <a:gd name="connsiteX1" fmla="*/ 3694525 w 11165482"/>
-              <a:gd name="connsiteY1" fmla="*/ 0 h 45719"/>
-              <a:gd name="connsiteX2" fmla="*/ 6144299 w 11165482"/>
-              <a:gd name="connsiteY2" fmla="*/ 0 h 45719"/>
-              <a:gd name="connsiteX3" fmla="*/ 8715708 w 11165482"/>
-              <a:gd name="connsiteY3" fmla="*/ 0 h 45719"/>
-              <a:gd name="connsiteX4" fmla="*/ 11165482 w 11165482"/>
-              <a:gd name="connsiteY4" fmla="*/ 0 h 45719"/>
-              <a:gd name="connsiteX5" fmla="*/ 11165482 w 11165482"/>
-              <a:gd name="connsiteY5" fmla="*/ 45719 h 45719"/>
-              <a:gd name="connsiteX6" fmla="*/ 8715708 w 11165482"/>
-              <a:gd name="connsiteY6" fmla="*/ 45719 h 45719"/>
-              <a:gd name="connsiteX7" fmla="*/ 6144299 w 11165482"/>
-              <a:gd name="connsiteY7" fmla="*/ 45719 h 45719"/>
-              <a:gd name="connsiteX8" fmla="*/ 5021183 w 11165482"/>
-              <a:gd name="connsiteY8" fmla="*/ 45719 h 45719"/>
-              <a:gd name="connsiteX9" fmla="*/ 0 w 11165482"/>
-              <a:gd name="connsiteY9" fmla="*/ 45719 h 45719"/>
-              <a:gd name="connsiteX10" fmla="*/ 0 w 11165482"/>
-              <a:gd name="connsiteY10" fmla="*/ 0 h 45719"/>
-              <a:gd name="connsiteX0" fmla="*/ 0 w 11165482"/>
-              <a:gd name="connsiteY0" fmla="*/ 0 h 45719"/>
-              <a:gd name="connsiteX1" fmla="*/ 6144299 w 11165482"/>
-              <a:gd name="connsiteY1" fmla="*/ 0 h 45719"/>
-              <a:gd name="connsiteX2" fmla="*/ 8715708 w 11165482"/>
-              <a:gd name="connsiteY2" fmla="*/ 0 h 45719"/>
-              <a:gd name="connsiteX3" fmla="*/ 11165482 w 11165482"/>
-              <a:gd name="connsiteY3" fmla="*/ 0 h 45719"/>
-              <a:gd name="connsiteX4" fmla="*/ 11165482 w 11165482"/>
-              <a:gd name="connsiteY4" fmla="*/ 45719 h 45719"/>
-              <a:gd name="connsiteX5" fmla="*/ 8715708 w 11165482"/>
-              <a:gd name="connsiteY5" fmla="*/ 45719 h 45719"/>
-              <a:gd name="connsiteX6" fmla="*/ 6144299 w 11165482"/>
-              <a:gd name="connsiteY6" fmla="*/ 45719 h 45719"/>
-              <a:gd name="connsiteX7" fmla="*/ 5021183 w 11165482"/>
-              <a:gd name="connsiteY7" fmla="*/ 45719 h 45719"/>
-              <a:gd name="connsiteX8" fmla="*/ 0 w 11165482"/>
-              <a:gd name="connsiteY8" fmla="*/ 45719 h 45719"/>
-              <a:gd name="connsiteX9" fmla="*/ 0 w 11165482"/>
-              <a:gd name="connsiteY9" fmla="*/ 0 h 45719"/>
-              <a:gd name="connsiteX0" fmla="*/ 0 w 11165482"/>
-              <a:gd name="connsiteY0" fmla="*/ 0 h 45719"/>
-              <a:gd name="connsiteX1" fmla="*/ 6144299 w 11165482"/>
-              <a:gd name="connsiteY1" fmla="*/ 0 h 45719"/>
-              <a:gd name="connsiteX2" fmla="*/ 8715708 w 11165482"/>
-              <a:gd name="connsiteY2" fmla="*/ 0 h 45719"/>
-              <a:gd name="connsiteX3" fmla="*/ 11165482 w 11165482"/>
-              <a:gd name="connsiteY3" fmla="*/ 0 h 45719"/>
-              <a:gd name="connsiteX4" fmla="*/ 11165482 w 11165482"/>
-              <a:gd name="connsiteY4" fmla="*/ 45719 h 45719"/>
-              <a:gd name="connsiteX5" fmla="*/ 8715708 w 11165482"/>
-              <a:gd name="connsiteY5" fmla="*/ 45719 h 45719"/>
-              <a:gd name="connsiteX6" fmla="*/ 5021183 w 11165482"/>
-              <a:gd name="connsiteY6" fmla="*/ 45719 h 45719"/>
-              <a:gd name="connsiteX7" fmla="*/ 0 w 11165482"/>
-              <a:gd name="connsiteY7" fmla="*/ 45719 h 45719"/>
-              <a:gd name="connsiteX8" fmla="*/ 0 w 11165482"/>
-              <a:gd name="connsiteY8" fmla="*/ 0 h 45719"/>
-              <a:gd name="connsiteX0" fmla="*/ 0 w 11165482"/>
-              <a:gd name="connsiteY0" fmla="*/ 0 h 45719"/>
-              <a:gd name="connsiteX1" fmla="*/ 8715708 w 11165482"/>
-              <a:gd name="connsiteY1" fmla="*/ 0 h 45719"/>
-              <a:gd name="connsiteX2" fmla="*/ 11165482 w 11165482"/>
-              <a:gd name="connsiteY2" fmla="*/ 0 h 45719"/>
-              <a:gd name="connsiteX3" fmla="*/ 11165482 w 11165482"/>
-              <a:gd name="connsiteY3" fmla="*/ 45719 h 45719"/>
-              <a:gd name="connsiteX4" fmla="*/ 8715708 w 11165482"/>
-              <a:gd name="connsiteY4" fmla="*/ 45719 h 45719"/>
-              <a:gd name="connsiteX5" fmla="*/ 5021183 w 11165482"/>
-              <a:gd name="connsiteY5" fmla="*/ 45719 h 45719"/>
-              <a:gd name="connsiteX6" fmla="*/ 0 w 11165482"/>
-              <a:gd name="connsiteY6" fmla="*/ 45719 h 45719"/>
-              <a:gd name="connsiteX7" fmla="*/ 0 w 11165482"/>
-              <a:gd name="connsiteY7" fmla="*/ 0 h 45719"/>
-              <a:gd name="connsiteX0" fmla="*/ 0 w 11165482"/>
-              <a:gd name="connsiteY0" fmla="*/ 0 h 45719"/>
-              <a:gd name="connsiteX1" fmla="*/ 8715708 w 11165482"/>
-              <a:gd name="connsiteY1" fmla="*/ 0 h 45719"/>
-              <a:gd name="connsiteX2" fmla="*/ 11165482 w 11165482"/>
-              <a:gd name="connsiteY2" fmla="*/ 0 h 45719"/>
-              <a:gd name="connsiteX3" fmla="*/ 11165482 w 11165482"/>
-              <a:gd name="connsiteY3" fmla="*/ 45719 h 45719"/>
-              <a:gd name="connsiteX4" fmla="*/ 8715708 w 11165482"/>
-              <a:gd name="connsiteY4" fmla="*/ 45719 h 45719"/>
-              <a:gd name="connsiteX5" fmla="*/ 0 w 11165482"/>
-              <a:gd name="connsiteY5" fmla="*/ 45719 h 45719"/>
-              <a:gd name="connsiteX6" fmla="*/ 0 w 11165482"/>
-              <a:gd name="connsiteY6" fmla="*/ 0 h 45719"/>
-              <a:gd name="connsiteX0" fmla="*/ 0 w 11165482"/>
-              <a:gd name="connsiteY0" fmla="*/ 0 h 45719"/>
-              <a:gd name="connsiteX1" fmla="*/ 8715708 w 11165482"/>
-              <a:gd name="connsiteY1" fmla="*/ 0 h 45719"/>
-              <a:gd name="connsiteX2" fmla="*/ 11165482 w 11165482"/>
-              <a:gd name="connsiteY2" fmla="*/ 0 h 45719"/>
-              <a:gd name="connsiteX3" fmla="*/ 11165482 w 11165482"/>
-              <a:gd name="connsiteY3" fmla="*/ 45719 h 45719"/>
-              <a:gd name="connsiteX4" fmla="*/ 0 w 11165482"/>
-              <a:gd name="connsiteY4" fmla="*/ 45719 h 45719"/>
-              <a:gd name="connsiteX5" fmla="*/ 0 w 11165482"/>
-              <a:gd name="connsiteY5" fmla="*/ 0 h 45719"/>
-              <a:gd name="connsiteX0" fmla="*/ 0 w 11165482"/>
-              <a:gd name="connsiteY0" fmla="*/ 0 h 45719"/>
-              <a:gd name="connsiteX1" fmla="*/ 11165482 w 11165482"/>
-              <a:gd name="connsiteY1" fmla="*/ 0 h 45719"/>
-              <a:gd name="connsiteX2" fmla="*/ 11165482 w 11165482"/>
-              <a:gd name="connsiteY2" fmla="*/ 45719 h 45719"/>
-              <a:gd name="connsiteX3" fmla="*/ 0 w 11165482"/>
-              <a:gd name="connsiteY3" fmla="*/ 45719 h 45719"/>
-              <a:gd name="connsiteX4" fmla="*/ 0 w 11165482"/>
-              <a:gd name="connsiteY4" fmla="*/ 0 h 45719"/>
-            </a:gdLst>
-            <a:ahLst/>
-            <a:cxnLst>
-              <a:cxn ang="0">
-                <a:pos x="connsiteX0" y="connsiteY0"/>
-              </a:cxn>
-              <a:cxn ang="0">
-                <a:pos x="connsiteX1" y="connsiteY1"/>
-              </a:cxn>
-              <a:cxn ang="0">
-                <a:pos x="connsiteX2" y="connsiteY2"/>
-              </a:cxn>
-              <a:cxn ang="0">
-                <a:pos x="connsiteX3" y="connsiteY3"/>
-              </a:cxn>
-              <a:cxn ang="0">
-                <a:pos x="connsiteX4" y="connsiteY4"/>
-              </a:cxn>
-            </a:cxnLst>
-            <a:rect l="l" t="t" r="r" b="b"/>
-            <a:pathLst>
-              <a:path w="11165482" h="45719">
-                <a:moveTo>
-                  <a:pt x="0" y="0"/>
-                </a:moveTo>
-                <a:lnTo>
-                  <a:pt x="11165482" y="0"/>
-                </a:lnTo>
-                <a:lnTo>
-                  <a:pt x="11165482" y="45719"/>
-                </a:lnTo>
-                <a:lnTo>
-                  <a:pt x="0" y="45719"/>
-                </a:lnTo>
-                <a:lnTo>
-                  <a:pt x="0" y="0"/>
-                </a:lnTo>
-                <a:close/>
-              </a:path>
-            </a:pathLst>
-          </a:custGeom>
-          <a:solidFill>
-            <a:schemeClr val="tx1"/>
-          </a:solidFill>
-          <a:ln>
-            <a:noFill/>
-          </a:ln>
-        </p:spPr>
-        <p:style>
-          <a:lnRef idx="2">
-            <a:schemeClr val="accent1">
-              <a:shade val="50000"/>
-            </a:schemeClr>
-          </a:lnRef>
-          <a:fillRef idx="1">
-            <a:schemeClr val="accent1"/>
-          </a:fillRef>
-          <a:effectRef idx="0">
-            <a:schemeClr val="accent1"/>
-          </a:effectRef>
-          <a:fontRef idx="minor">
-            <a:schemeClr val="lt1"/>
-          </a:fontRef>
-        </p:style>
-        <p:txBody>
-          <a:bodyPr wrap="square" rtlCol="0" anchor="ctr">
-            <a:noAutofit/>
-          </a:bodyPr>
-          <a:lstStyle/>
-          <a:p>
-            <a:pPr algn="ctr"/>
-            <a:endParaRPr lang="en-US"/>
-          </a:p>
-        </p:txBody>
-      </p:sp>
     </p:spTree>
     <p:extLst>
       <p:ext uri="{BB962C8B-B14F-4D97-AF65-F5344CB8AC3E}">
